--- a/sesija-35/PPT/Front-End Developer-35.pptx
+++ b/sesija-35/PPT/Front-End Developer-35.pptx
@@ -6,13 +6,18 @@
     <p:sldMasterId id="2147483676" r:id="rId2"/>
   </p:sldMasterIdLst>
   <p:notesMasterIdLst>
-    <p:notesMasterId r:id="rId7"/>
+    <p:notesMasterId r:id="rId12"/>
   </p:notesMasterIdLst>
   <p:sldIdLst>
     <p:sldId id="256" r:id="rId3"/>
     <p:sldId id="257" r:id="rId4"/>
     <p:sldId id="258" r:id="rId5"/>
     <p:sldId id="263" r:id="rId6"/>
+    <p:sldId id="264" r:id="rId7"/>
+    <p:sldId id="265" r:id="rId8"/>
+    <p:sldId id="266" r:id="rId9"/>
+    <p:sldId id="267" r:id="rId10"/>
+    <p:sldId id="268" r:id="rId11"/>
   </p:sldIdLst>
   <p:sldSz cx="12192000" cy="6858000"/>
   <p:notesSz cx="6858000" cy="9144000"/>
@@ -120,6 +125,11 @@
             <p14:sldId id="257"/>
             <p14:sldId id="258"/>
             <p14:sldId id="263"/>
+            <p14:sldId id="264"/>
+            <p14:sldId id="265"/>
+            <p14:sldId id="266"/>
+            <p14:sldId id="267"/>
+            <p14:sldId id="268"/>
           </p14:sldIdLst>
         </p14:section>
       </p14:sectionLst>
@@ -904,7 +914,7 @@
         <a:p>
           <a:r>
             <a:rPr lang="en-US" b="1" smtClean="0"/>
-            <a:t>HTML</a:t>
+            <a:t>JavaScript</a:t>
           </a:r>
           <a:endParaRPr lang="en-US"/>
         </a:p>
@@ -939,6 +949,10 @@
         <a:bodyPr/>
         <a:lstStyle/>
         <a:p>
+          <a:r>
+            <a:rPr lang="en-US" smtClean="0"/>
+            <a:t>Baze podataka - uvod</a:t>
+          </a:r>
           <a:endParaRPr lang="en-US"/>
         </a:p>
       </dgm:t>
@@ -946,8 +960,128 @@
     <dgm:pt modelId="{F89418B0-7D47-48D3-A0DD-7DC00E292A1E}" type="parTrans" cxnId="{C78D7D1E-4353-489A-8F01-856C716DDAA5}">
       <dgm:prSet/>
       <dgm:spPr/>
+      <dgm:t>
+        <a:bodyPr/>
+        <a:lstStyle/>
+        <a:p>
+          <a:endParaRPr lang="en-US"/>
+        </a:p>
+      </dgm:t>
     </dgm:pt>
     <dgm:pt modelId="{B8A6BCFB-F597-4971-BF20-6B7B52347AE9}" type="sibTrans" cxnId="{C78D7D1E-4353-489A-8F01-856C716DDAA5}">
+      <dgm:prSet/>
+      <dgm:spPr/>
+      <dgm:t>
+        <a:bodyPr/>
+        <a:lstStyle/>
+        <a:p>
+          <a:endParaRPr lang="en-US"/>
+        </a:p>
+      </dgm:t>
+    </dgm:pt>
+    <dgm:pt modelId="{5CCD9A6C-446B-4234-9597-2EB5D92BC885}">
+      <dgm:prSet phldrT="[Text]"/>
+      <dgm:spPr/>
+      <dgm:t>
+        <a:bodyPr/>
+        <a:lstStyle/>
+        <a:p>
+          <a:r>
+            <a:rPr lang="en-US" smtClean="0"/>
+            <a:t>Cookies</a:t>
+          </a:r>
+          <a:endParaRPr lang="en-US"/>
+        </a:p>
+      </dgm:t>
+    </dgm:pt>
+    <dgm:pt modelId="{2E9EF69F-FC95-486F-9731-95185EFF720A}" type="parTrans" cxnId="{EF08B2AC-7C1F-4003-950E-80377002AC8F}">
+      <dgm:prSet/>
+      <dgm:spPr/>
+      <dgm:t>
+        <a:bodyPr/>
+        <a:lstStyle/>
+        <a:p>
+          <a:endParaRPr lang="en-US"/>
+        </a:p>
+      </dgm:t>
+    </dgm:pt>
+    <dgm:pt modelId="{B2E546EA-A31F-41C9-929E-8B4246932C56}" type="sibTrans" cxnId="{EF08B2AC-7C1F-4003-950E-80377002AC8F}">
+      <dgm:prSet/>
+      <dgm:spPr/>
+      <dgm:t>
+        <a:bodyPr/>
+        <a:lstStyle/>
+        <a:p>
+          <a:endParaRPr lang="en-US"/>
+        </a:p>
+      </dgm:t>
+    </dgm:pt>
+    <dgm:pt modelId="{7EB5A270-4883-4F9E-8B27-8FFF70CD5E37}">
+      <dgm:prSet phldrT="[Text]"/>
+      <dgm:spPr/>
+      <dgm:t>
+        <a:bodyPr/>
+        <a:lstStyle/>
+        <a:p>
+          <a:r>
+            <a:rPr lang="en-US" smtClean="0"/>
+            <a:t>Web storage</a:t>
+          </a:r>
+          <a:endParaRPr lang="en-US"/>
+        </a:p>
+      </dgm:t>
+    </dgm:pt>
+    <dgm:pt modelId="{52721BBE-AB76-4806-9CC0-58FF865E7C3F}" type="parTrans" cxnId="{9970C878-E180-4A26-91E4-64475737865F}">
+      <dgm:prSet/>
+      <dgm:spPr/>
+    </dgm:pt>
+    <dgm:pt modelId="{98BA227F-ECA2-4CF1-8B87-787DFD7E52EF}" type="sibTrans" cxnId="{9970C878-E180-4A26-91E4-64475737865F}">
+      <dgm:prSet/>
+      <dgm:spPr/>
+    </dgm:pt>
+    <dgm:pt modelId="{D2738374-0EAB-4CDD-8EA3-95B2090630BE}">
+      <dgm:prSet phldrT="[Text]"/>
+      <dgm:spPr/>
+      <dgm:t>
+        <a:bodyPr/>
+        <a:lstStyle/>
+        <a:p>
+          <a:r>
+            <a:rPr lang="en-US" smtClean="0"/>
+            <a:t> localStorage</a:t>
+          </a:r>
+          <a:endParaRPr lang="en-US"/>
+        </a:p>
+      </dgm:t>
+    </dgm:pt>
+    <dgm:pt modelId="{B1EF045C-584B-46D4-9F1C-77E97AA0A6B9}" type="parTrans" cxnId="{6EB27880-7260-41B4-A50B-2EB8C20BE468}">
+      <dgm:prSet/>
+      <dgm:spPr/>
+    </dgm:pt>
+    <dgm:pt modelId="{7842647C-4102-409C-979D-8471176EDB83}" type="sibTrans" cxnId="{6EB27880-7260-41B4-A50B-2EB8C20BE468}">
+      <dgm:prSet/>
+      <dgm:spPr/>
+    </dgm:pt>
+    <dgm:pt modelId="{7F596B77-641C-4DC4-9DD0-F0A37C5E1F87}">
+      <dgm:prSet phldrT="[Text]"/>
+      <dgm:spPr/>
+      <dgm:t>
+        <a:bodyPr/>
+        <a:lstStyle/>
+        <a:p>
+          <a:r>
+            <a:rPr lang="en-US" smtClean="0"/>
+            <a:t>sessionStorage</a:t>
+          </a:r>
+          <a:endParaRPr lang="en-US"/>
+        </a:p>
+      </dgm:t>
+    </dgm:pt>
+    <dgm:pt modelId="{CFD0ED51-45D1-428E-B339-0033E533A06C}" type="parTrans" cxnId="{BF987AF7-23CD-447E-9BC8-FDDA3ECCFCCE}">
+      <dgm:prSet/>
+      <dgm:spPr/>
+    </dgm:pt>
+    <dgm:pt modelId="{93535F45-DBFC-4B48-BB34-1917A0BC029C}" type="sibTrans" cxnId="{BF987AF7-23CD-447E-9BC8-FDDA3ECCFCCE}">
       <dgm:prSet/>
       <dgm:spPr/>
     </dgm:pt>
@@ -1000,11 +1134,19 @@
     </dgm:pt>
   </dgm:ptLst>
   <dgm:cxnLst>
-    <dgm:cxn modelId="{C5A8E9B4-A897-4242-BCB6-414B02FAC18D}" type="presOf" srcId="{7BA3726F-3900-4FC3-8B1E-5B513F942281}" destId="{AADBD8E6-695F-4FE3-9A02-D807BC812A7C}" srcOrd="0" destOrd="0" presId="urn:microsoft.com/office/officeart/2005/8/layout/vList2"/>
+    <dgm:cxn modelId="{6EB27880-7260-41B4-A50B-2EB8C20BE468}" srcId="{7EB5A270-4883-4F9E-8B27-8FFF70CD5E37}" destId="{D2738374-0EAB-4CDD-8EA3-95B2090630BE}" srcOrd="0" destOrd="0" parTransId="{B1EF045C-584B-46D4-9F1C-77E97AA0A6B9}" sibTransId="{7842647C-4102-409C-979D-8471176EDB83}"/>
+    <dgm:cxn modelId="{1797987A-080C-4902-994C-D594AEE988A6}" type="presOf" srcId="{7F596B77-641C-4DC4-9DD0-F0A37C5E1F87}" destId="{AADBD8E6-695F-4FE3-9A02-D807BC812A7C}" srcOrd="0" destOrd="4" presId="urn:microsoft.com/office/officeart/2005/8/layout/vList2"/>
+    <dgm:cxn modelId="{E94D33FE-DDFA-4001-B9EC-CC31B9DD5BBD}" type="presOf" srcId="{5CCD9A6C-446B-4234-9597-2EB5D92BC885}" destId="{AADBD8E6-695F-4FE3-9A02-D807BC812A7C}" srcOrd="0" destOrd="1" presId="urn:microsoft.com/office/officeart/2005/8/layout/vList2"/>
     <dgm:cxn modelId="{FB3F133B-D980-4586-8A93-14087C2AFDB7}" type="presOf" srcId="{01EB205F-FC18-44EF-B4D7-07083A382D6D}" destId="{F4D94EE2-DE87-41D3-8995-9FDA4ED2D4BE}" srcOrd="0" destOrd="0" presId="urn:microsoft.com/office/officeart/2005/8/layout/vList2"/>
+    <dgm:cxn modelId="{8F0B542D-F26C-4494-9589-CB1F22E81D18}" type="presOf" srcId="{D2738374-0EAB-4CDD-8EA3-95B2090630BE}" destId="{AADBD8E6-695F-4FE3-9A02-D807BC812A7C}" srcOrd="0" destOrd="3" presId="urn:microsoft.com/office/officeart/2005/8/layout/vList2"/>
+    <dgm:cxn modelId="{9ADF0326-01FB-4790-B759-ACDFB0217796}" type="presOf" srcId="{4EE1351B-4B79-4D48-8F5E-455F7AD945A8}" destId="{AEABCDDF-3180-4C76-A7CB-FC0B6AF0719A}" srcOrd="0" destOrd="0" presId="urn:microsoft.com/office/officeart/2005/8/layout/vList2"/>
+    <dgm:cxn modelId="{BF987AF7-23CD-447E-9BC8-FDDA3ECCFCCE}" srcId="{7EB5A270-4883-4F9E-8B27-8FFF70CD5E37}" destId="{7F596B77-641C-4DC4-9DD0-F0A37C5E1F87}" srcOrd="1" destOrd="0" parTransId="{CFD0ED51-45D1-428E-B339-0033E533A06C}" sibTransId="{93535F45-DBFC-4B48-BB34-1917A0BC029C}"/>
     <dgm:cxn modelId="{C78D7D1E-4353-489A-8F01-856C716DDAA5}" srcId="{01EB205F-FC18-44EF-B4D7-07083A382D6D}" destId="{7BA3726F-3900-4FC3-8B1E-5B513F942281}" srcOrd="0" destOrd="0" parTransId="{F89418B0-7D47-48D3-A0DD-7DC00E292A1E}" sibTransId="{B8A6BCFB-F597-4971-BF20-6B7B52347AE9}"/>
     <dgm:cxn modelId="{554D4833-0D13-4D4C-92BF-76D83AECFDE6}" srcId="{4EE1351B-4B79-4D48-8F5E-455F7AD945A8}" destId="{01EB205F-FC18-44EF-B4D7-07083A382D6D}" srcOrd="0" destOrd="0" parTransId="{D4C6F2B3-566C-488E-AC05-F7BDFB6B7331}" sibTransId="{2BF717F9-FCD3-4CE3-A0A5-83D104AFB328}"/>
-    <dgm:cxn modelId="{9ADF0326-01FB-4790-B759-ACDFB0217796}" type="presOf" srcId="{4EE1351B-4B79-4D48-8F5E-455F7AD945A8}" destId="{AEABCDDF-3180-4C76-A7CB-FC0B6AF0719A}" srcOrd="0" destOrd="0" presId="urn:microsoft.com/office/officeart/2005/8/layout/vList2"/>
+    <dgm:cxn modelId="{C5A8E9B4-A897-4242-BCB6-414B02FAC18D}" type="presOf" srcId="{7BA3726F-3900-4FC3-8B1E-5B513F942281}" destId="{AADBD8E6-695F-4FE3-9A02-D807BC812A7C}" srcOrd="0" destOrd="0" presId="urn:microsoft.com/office/officeart/2005/8/layout/vList2"/>
+    <dgm:cxn modelId="{9970C878-E180-4A26-91E4-64475737865F}" srcId="{01EB205F-FC18-44EF-B4D7-07083A382D6D}" destId="{7EB5A270-4883-4F9E-8B27-8FFF70CD5E37}" srcOrd="2" destOrd="0" parTransId="{52721BBE-AB76-4806-9CC0-58FF865E7C3F}" sibTransId="{98BA227F-ECA2-4CF1-8B87-787DFD7E52EF}"/>
+    <dgm:cxn modelId="{46B26921-9160-4F6A-9C9D-147685459FBA}" type="presOf" srcId="{7EB5A270-4883-4F9E-8B27-8FFF70CD5E37}" destId="{AADBD8E6-695F-4FE3-9A02-D807BC812A7C}" srcOrd="0" destOrd="2" presId="urn:microsoft.com/office/officeart/2005/8/layout/vList2"/>
+    <dgm:cxn modelId="{EF08B2AC-7C1F-4003-950E-80377002AC8F}" srcId="{01EB205F-FC18-44EF-B4D7-07083A382D6D}" destId="{5CCD9A6C-446B-4234-9597-2EB5D92BC885}" srcOrd="1" destOrd="0" parTransId="{2E9EF69F-FC95-486F-9731-95185EFF720A}" sibTransId="{B2E546EA-A31F-41C9-929E-8B4246932C56}"/>
     <dgm:cxn modelId="{541BD5B9-51DA-497F-838D-CDA31366E980}" type="presParOf" srcId="{AEABCDDF-3180-4C76-A7CB-FC0B6AF0719A}" destId="{F4D94EE2-DE87-41D3-8995-9FDA4ED2D4BE}" srcOrd="0" destOrd="0" presId="urn:microsoft.com/office/officeart/2005/8/layout/vList2"/>
     <dgm:cxn modelId="{C7801D2E-7067-4E56-86BD-8C707C34363A}" type="presParOf" srcId="{AEABCDDF-3180-4C76-A7CB-FC0B6AF0719A}" destId="{AADBD8E6-695F-4FE3-9A02-D807BC812A7C}" srcOrd="1" destOrd="0" presId="urn:microsoft.com/office/officeart/2005/8/layout/vList2"/>
   </dgm:cxnLst>
@@ -1033,7 +1175,7 @@
       </dsp:nvSpPr>
       <dsp:spPr>
         <a:xfrm>
-          <a:off x="0" y="1548347"/>
+          <a:off x="0" y="1022"/>
           <a:ext cx="8298873" cy="1521000"/>
         </a:xfrm>
         <a:prstGeom prst="roundRect">
@@ -1093,13 +1235,13 @@
           </a:pPr>
           <a:r>
             <a:rPr lang="en-US" sz="6500" b="1" kern="1200" smtClean="0"/>
-            <a:t>HTML</a:t>
+            <a:t>JavaScript</a:t>
           </a:r>
           <a:endParaRPr lang="en-US" sz="6500" kern="1200"/>
         </a:p>
       </dsp:txBody>
       <dsp:txXfrm>
-        <a:off x="74249" y="1622596"/>
+        <a:off x="74249" y="75271"/>
         <a:ext cx="8150375" cy="1372502"/>
       </dsp:txXfrm>
     </dsp:sp>
@@ -1110,8 +1252,8 @@
       </dsp:nvSpPr>
       <dsp:spPr>
         <a:xfrm>
-          <a:off x="0" y="3069347"/>
-          <a:ext cx="8298873" cy="1076400"/>
+          <a:off x="0" y="1522022"/>
+          <a:ext cx="8298873" cy="4171050"/>
         </a:xfrm>
         <a:prstGeom prst="rect">
           <a:avLst/>
@@ -1152,12 +1294,92 @@
             </a:spcAft>
             <a:buChar char="••"/>
           </a:pPr>
+          <a:r>
+            <a:rPr lang="en-US" sz="5100" kern="1200" smtClean="0"/>
+            <a:t>Baze podataka - uvod</a:t>
+          </a:r>
+          <a:endParaRPr lang="en-US" sz="5100" kern="1200"/>
+        </a:p>
+        <a:p>
+          <a:pPr marL="285750" lvl="1" indent="-285750" algn="l" defTabSz="2266950">
+            <a:lnSpc>
+              <a:spcPct val="90000"/>
+            </a:lnSpc>
+            <a:spcBef>
+              <a:spcPct val="0"/>
+            </a:spcBef>
+            <a:spcAft>
+              <a:spcPct val="20000"/>
+            </a:spcAft>
+            <a:buChar char="••"/>
+          </a:pPr>
+          <a:r>
+            <a:rPr lang="en-US" sz="5100" kern="1200" smtClean="0"/>
+            <a:t>Cookies</a:t>
+          </a:r>
+          <a:endParaRPr lang="en-US" sz="5100" kern="1200"/>
+        </a:p>
+        <a:p>
+          <a:pPr marL="285750" lvl="1" indent="-285750" algn="l" defTabSz="2266950">
+            <a:lnSpc>
+              <a:spcPct val="90000"/>
+            </a:lnSpc>
+            <a:spcBef>
+              <a:spcPct val="0"/>
+            </a:spcBef>
+            <a:spcAft>
+              <a:spcPct val="20000"/>
+            </a:spcAft>
+            <a:buChar char="••"/>
+          </a:pPr>
+          <a:r>
+            <a:rPr lang="en-US" sz="5100" kern="1200" smtClean="0"/>
+            <a:t>Web storage</a:t>
+          </a:r>
+          <a:endParaRPr lang="en-US" sz="5100" kern="1200"/>
+        </a:p>
+        <a:p>
+          <a:pPr marL="571500" lvl="2" indent="-285750" algn="l" defTabSz="2266950">
+            <a:lnSpc>
+              <a:spcPct val="90000"/>
+            </a:lnSpc>
+            <a:spcBef>
+              <a:spcPct val="0"/>
+            </a:spcBef>
+            <a:spcAft>
+              <a:spcPct val="20000"/>
+            </a:spcAft>
+            <a:buChar char="••"/>
+          </a:pPr>
+          <a:r>
+            <a:rPr lang="en-US" sz="5100" kern="1200" smtClean="0"/>
+            <a:t> localStorage</a:t>
+          </a:r>
+          <a:endParaRPr lang="en-US" sz="5100" kern="1200"/>
+        </a:p>
+        <a:p>
+          <a:pPr marL="571500" lvl="2" indent="-285750" algn="l" defTabSz="2266950">
+            <a:lnSpc>
+              <a:spcPct val="90000"/>
+            </a:lnSpc>
+            <a:spcBef>
+              <a:spcPct val="0"/>
+            </a:spcBef>
+            <a:spcAft>
+              <a:spcPct val="20000"/>
+            </a:spcAft>
+            <a:buChar char="••"/>
+          </a:pPr>
+          <a:r>
+            <a:rPr lang="en-US" sz="5100" kern="1200" smtClean="0"/>
+            <a:t>sessionStorage</a:t>
+          </a:r>
           <a:endParaRPr lang="en-US" sz="5100" kern="1200"/>
         </a:p>
       </dsp:txBody>
       <dsp:txXfrm>
-        <a:off x="0" y="3069347"/>
-        <a:ext cx="8298873" cy="1076400"/>
+        <a:off x="0" y="1522022"/>
+        <a:ext cx="8298873" cy="4171050"/>
       </dsp:txXfrm>
     </dsp:sp>
   </dsp:spTree>
@@ -2447,7 +2669,7 @@
           <a:p>
             <a:fld id="{D32AC403-8EB1-4D4E-8C3A-24BD19820531}" type="datetimeFigureOut">
               <a:rPr lang="en-US" smtClean="0"/>
-              <a:t>13-Mar-18</a:t>
+              <a:t>07-May-18</a:t>
             </a:fld>
             <a:endParaRPr lang="en-US"/>
           </a:p>
@@ -3193,7 +3415,7 @@
           <a:p>
             <a:fld id="{B35B300D-7DF5-4E96-8AA6-60E94C6E9F44}" type="datetimeFigureOut">
               <a:rPr lang="sr-Latn-RS" smtClean="0"/>
-              <a:t>13.3.2018.</a:t>
+              <a:t>7.5.2018.</a:t>
             </a:fld>
             <a:endParaRPr lang="sr-Latn-RS"/>
           </a:p>
@@ -3627,7 +3849,7 @@
           <a:p>
             <a:fld id="{B35B300D-7DF5-4E96-8AA6-60E94C6E9F44}" type="datetimeFigureOut">
               <a:rPr lang="sr-Latn-RS" smtClean="0"/>
-              <a:t>13.3.2018.</a:t>
+              <a:t>7.5.2018.</a:t>
             </a:fld>
             <a:endParaRPr lang="sr-Latn-RS"/>
           </a:p>
@@ -4001,7 +4223,7 @@
           <a:p>
             <a:fld id="{B35B300D-7DF5-4E96-8AA6-60E94C6E9F44}" type="datetimeFigureOut">
               <a:rPr lang="sr-Latn-RS" smtClean="0"/>
-              <a:t>13.3.2018.</a:t>
+              <a:t>7.5.2018.</a:t>
             </a:fld>
             <a:endParaRPr lang="sr-Latn-RS"/>
           </a:p>
@@ -4285,7 +4507,7 @@
           <a:p>
             <a:fld id="{B35B300D-7DF5-4E96-8AA6-60E94C6E9F44}" type="datetimeFigureOut">
               <a:rPr lang="sr-Latn-RS" smtClean="0"/>
-              <a:t>13.3.2018.</a:t>
+              <a:t>7.5.2018.</a:t>
             </a:fld>
             <a:endParaRPr lang="sr-Latn-RS"/>
           </a:p>
@@ -4462,7 +4684,7 @@
           <a:p>
             <a:fld id="{B35B300D-7DF5-4E96-8AA6-60E94C6E9F44}" type="datetimeFigureOut">
               <a:rPr lang="sr-Latn-RS" smtClean="0"/>
-              <a:t>13.3.2018.</a:t>
+              <a:t>7.5.2018.</a:t>
             </a:fld>
             <a:endParaRPr lang="sr-Latn-RS"/>
           </a:p>
@@ -4649,7 +4871,7 @@
           <a:p>
             <a:fld id="{B35B300D-7DF5-4E96-8AA6-60E94C6E9F44}" type="datetimeFigureOut">
               <a:rPr lang="sr-Latn-RS" smtClean="0"/>
-              <a:t>13.3.2018.</a:t>
+              <a:t>7.5.2018.</a:t>
             </a:fld>
             <a:endParaRPr lang="sr-Latn-RS"/>
           </a:p>
@@ -4896,7 +5118,7 @@
           <a:p>
             <a:fld id="{B35B300D-7DF5-4E96-8AA6-60E94C6E9F44}" type="datetimeFigureOut">
               <a:rPr lang="sr-Latn-RS" smtClean="0"/>
-              <a:t>13.3.2018.</a:t>
+              <a:t>7.5.2018.</a:t>
             </a:fld>
             <a:endParaRPr lang="sr-Latn-RS"/>
           </a:p>
@@ -5180,7 +5402,7 @@
           <a:p>
             <a:fld id="{B35B300D-7DF5-4E96-8AA6-60E94C6E9F44}" type="datetimeFigureOut">
               <a:rPr lang="sr-Latn-RS" smtClean="0"/>
-              <a:t>13.3.2018.</a:t>
+              <a:t>7.5.2018.</a:t>
             </a:fld>
             <a:endParaRPr lang="sr-Latn-RS"/>
           </a:p>
@@ -7099,7 +7321,7 @@
           <a:p>
             <a:fld id="{B35B300D-7DF5-4E96-8AA6-60E94C6E9F44}" type="datetimeFigureOut">
               <a:rPr lang="sr-Latn-RS" smtClean="0"/>
-              <a:t>13.3.2018.</a:t>
+              <a:t>7.5.2018.</a:t>
             </a:fld>
             <a:endParaRPr lang="sr-Latn-RS"/>
           </a:p>
@@ -7533,15 +7755,11 @@
             </a:br>
             <a:r>
               <a:rPr lang="en-US" b="1" smtClean="0"/>
-              <a:t>35 </a:t>
+              <a:t>35 – </a:t>
             </a:r>
             <a:r>
               <a:rPr lang="en-US" b="1" smtClean="0"/>
-              <a:t>– </a:t>
-            </a:r>
-            <a:r>
-              <a:rPr lang="en-US" b="1" smtClean="0"/>
-              <a:t>07.05.2018</a:t>
+              <a:t>09.05.2018</a:t>
             </a:r>
             <a:endParaRPr lang="en-US"/>
           </a:p>
@@ -7670,7 +7888,7 @@
           <p:nvPr>
             <p:extLst>
               <p:ext uri="{D42A27DB-BD31-4B8C-83A1-F6EECF244321}">
-                <p14:modId xmlns:p14="http://schemas.microsoft.com/office/powerpoint/2010/main" val="571710413"/>
+                <p14:modId xmlns:p14="http://schemas.microsoft.com/office/powerpoint/2010/main" val="3664988814"/>
               </p:ext>
             </p:extLst>
           </p:nvPr>
@@ -7890,15 +8108,10 @@
             <a:spLocks noGrp="1"/>
           </p:cNvSpPr>
           <p:nvPr>
-            <p:ph type="body" sz="quarter" idx="4294967295"/>
+            <p:ph type="body" sz="quarter" idx="11"/>
           </p:nvPr>
         </p:nvSpPr>
-        <p:spPr>
-          <a:xfrm>
-            <a:off x="7368309" y="3196013"/>
-            <a:ext cx="4699000" cy="1930400"/>
-          </a:xfrm>
-        </p:spPr>
+        <p:spPr/>
         <p:txBody>
           <a:bodyPr/>
           <a:lstStyle/>
@@ -7906,7 +8119,7 @@
             <a:pPr lvl="0"/>
             <a:r>
               <a:rPr lang="en-US" sz="4000" smtClean="0"/>
-              <a:t>text</a:t>
+              <a:t>Web storage concept</a:t>
             </a:r>
             <a:endParaRPr lang="en-US" sz="4000"/>
           </a:p>
@@ -7929,6 +8142,423 @@
       </p:par>
     </p:tnLst>
   </p:timing>
+</p:sld>
+</file>
+
+<file path=ppt/slides/slide5.xml><?xml version="1.0" encoding="utf-8"?>
+<p:sld xmlns:a="http://schemas.openxmlformats.org/drawingml/2006/main" xmlns:r="http://schemas.openxmlformats.org/officeDocument/2006/relationships" xmlns:p="http://schemas.openxmlformats.org/presentationml/2006/main">
+  <p:cSld>
+    <p:spTree>
+      <p:nvGrpSpPr>
+        <p:cNvPr id="1" name=""/>
+        <p:cNvGrpSpPr/>
+        <p:nvPr/>
+      </p:nvGrpSpPr>
+      <p:grpSpPr>
+        <a:xfrm>
+          <a:off x="0" y="0"/>
+          <a:ext cx="0" cy="0"/>
+          <a:chOff x="0" y="0"/>
+          <a:chExt cx="0" cy="0"/>
+        </a:xfrm>
+      </p:grpSpPr>
+      <p:sp>
+        <p:nvSpPr>
+          <p:cNvPr id="4" name="Title 3"/>
+          <p:cNvSpPr>
+            <a:spLocks noGrp="1"/>
+          </p:cNvSpPr>
+          <p:nvPr>
+            <p:ph type="title"/>
+          </p:nvPr>
+        </p:nvSpPr>
+        <p:spPr/>
+        <p:txBody>
+          <a:bodyPr/>
+          <a:lstStyle/>
+          <a:p>
+            <a:r>
+              <a:rPr lang="en-US" smtClean="0"/>
+              <a:t>Baze podataka – oblast koja se najsporije menjala u programiranju!</a:t>
+            </a:r>
+            <a:endParaRPr lang="sr-Latn-RS"/>
+          </a:p>
+        </p:txBody>
+      </p:sp>
+      <p:sp>
+        <p:nvSpPr>
+          <p:cNvPr id="5" name="Content Placeholder 4"/>
+          <p:cNvSpPr>
+            <a:spLocks noGrp="1"/>
+          </p:cNvSpPr>
+          <p:nvPr>
+            <p:ph sz="quarter" idx="10"/>
+          </p:nvPr>
+        </p:nvSpPr>
+        <p:spPr/>
+        <p:txBody>
+          <a:bodyPr/>
+          <a:lstStyle/>
+          <a:p>
+            <a:r>
+              <a:rPr lang="en-US" smtClean="0"/>
+              <a:t>Koncept tabela</a:t>
+            </a:r>
+          </a:p>
+          <a:p>
+            <a:r>
+              <a:rPr lang="en-US" smtClean="0"/>
+              <a:t>Vrste i kolone</a:t>
+            </a:r>
+          </a:p>
+          <a:p>
+            <a:r>
+              <a:rPr lang="en-US" smtClean="0"/>
+              <a:t>Kreiranje podataka – kako izbeci ponavljanja?</a:t>
+            </a:r>
+          </a:p>
+          <a:p>
+            <a:r>
+              <a:rPr lang="en-US" smtClean="0"/>
+              <a:t>SQL jezik za rad sa bazama podataka</a:t>
+            </a:r>
+          </a:p>
+          <a:p>
+            <a:r>
+              <a:rPr lang="en-US" smtClean="0"/>
+              <a:t>Primer sa Studentima, Kursevima, Profesorima</a:t>
+            </a:r>
+            <a:endParaRPr lang="sr-Latn-RS"/>
+          </a:p>
+        </p:txBody>
+      </p:sp>
+    </p:spTree>
+    <p:extLst>
+      <p:ext uri="{BB962C8B-B14F-4D97-AF65-F5344CB8AC3E}">
+        <p14:creationId xmlns:p14="http://schemas.microsoft.com/office/powerpoint/2010/main" val="1475309580"/>
+      </p:ext>
+    </p:extLst>
+  </p:cSld>
+  <p:clrMapOvr>
+    <a:masterClrMapping/>
+  </p:clrMapOvr>
+</p:sld>
+</file>
+
+<file path=ppt/slides/slide6.xml><?xml version="1.0" encoding="utf-8"?>
+<p:sld xmlns:a="http://schemas.openxmlformats.org/drawingml/2006/main" xmlns:r="http://schemas.openxmlformats.org/officeDocument/2006/relationships" xmlns:p="http://schemas.openxmlformats.org/presentationml/2006/main">
+  <p:cSld>
+    <p:spTree>
+      <p:nvGrpSpPr>
+        <p:cNvPr id="1" name=""/>
+        <p:cNvGrpSpPr/>
+        <p:nvPr/>
+      </p:nvGrpSpPr>
+      <p:grpSpPr>
+        <a:xfrm>
+          <a:off x="0" y="0"/>
+          <a:ext cx="0" cy="0"/>
+          <a:chOff x="0" y="0"/>
+          <a:chExt cx="0" cy="0"/>
+        </a:xfrm>
+      </p:grpSpPr>
+      <p:sp>
+        <p:nvSpPr>
+          <p:cNvPr id="2" name="Title 1"/>
+          <p:cNvSpPr>
+            <a:spLocks noGrp="1"/>
+          </p:cNvSpPr>
+          <p:nvPr>
+            <p:ph type="title"/>
+          </p:nvPr>
+        </p:nvSpPr>
+        <p:spPr/>
+        <p:txBody>
+          <a:bodyPr/>
+          <a:lstStyle/>
+          <a:p>
+            <a:r>
+              <a:rPr lang="en-US" smtClean="0"/>
+              <a:t>Organizacija tabela</a:t>
+            </a:r>
+            <a:endParaRPr lang="sr-Latn-RS"/>
+          </a:p>
+        </p:txBody>
+      </p:sp>
+      <p:pic>
+        <p:nvPicPr>
+          <p:cNvPr id="6" name="Content Placeholder 5"/>
+          <p:cNvPicPr>
+            <a:picLocks noGrp="1" noChangeAspect="1"/>
+          </p:cNvPicPr>
+          <p:nvPr>
+            <p:ph sz="quarter" idx="10"/>
+          </p:nvPr>
+        </p:nvPicPr>
+        <p:blipFill>
+          <a:blip r:embed="rId2"/>
+          <a:stretch>
+            <a:fillRect/>
+          </a:stretch>
+        </p:blipFill>
+        <p:spPr>
+          <a:xfrm>
+            <a:off x="2573972" y="1096428"/>
+            <a:ext cx="6673059" cy="5402001"/>
+          </a:xfrm>
+          <a:prstGeom prst="rect">
+            <a:avLst/>
+          </a:prstGeom>
+        </p:spPr>
+      </p:pic>
+    </p:spTree>
+    <p:extLst>
+      <p:ext uri="{BB962C8B-B14F-4D97-AF65-F5344CB8AC3E}">
+        <p14:creationId xmlns:p14="http://schemas.microsoft.com/office/powerpoint/2010/main" val="1683141222"/>
+      </p:ext>
+    </p:extLst>
+  </p:cSld>
+  <p:clrMapOvr>
+    <a:masterClrMapping/>
+  </p:clrMapOvr>
+</p:sld>
+</file>
+
+<file path=ppt/slides/slide7.xml><?xml version="1.0" encoding="utf-8"?>
+<p:sld xmlns:a="http://schemas.openxmlformats.org/drawingml/2006/main" xmlns:r="http://schemas.openxmlformats.org/officeDocument/2006/relationships" xmlns:p="http://schemas.openxmlformats.org/presentationml/2006/main">
+  <p:cSld>
+    <p:spTree>
+      <p:nvGrpSpPr>
+        <p:cNvPr id="1" name=""/>
+        <p:cNvGrpSpPr/>
+        <p:nvPr/>
+      </p:nvGrpSpPr>
+      <p:grpSpPr>
+        <a:xfrm>
+          <a:off x="0" y="0"/>
+          <a:ext cx="0" cy="0"/>
+          <a:chOff x="0" y="0"/>
+          <a:chExt cx="0" cy="0"/>
+        </a:xfrm>
+      </p:grpSpPr>
+      <p:sp>
+        <p:nvSpPr>
+          <p:cNvPr id="2" name="Title 1"/>
+          <p:cNvSpPr>
+            <a:spLocks noGrp="1"/>
+          </p:cNvSpPr>
+          <p:nvPr>
+            <p:ph type="title"/>
+          </p:nvPr>
+        </p:nvSpPr>
+        <p:spPr/>
+        <p:txBody>
+          <a:bodyPr/>
+          <a:lstStyle/>
+          <a:p>
+            <a:r>
+              <a:rPr lang="en-US" smtClean="0"/>
+              <a:t>Novo doba =&gt; noSql</a:t>
+            </a:r>
+            <a:endParaRPr lang="sr-Latn-RS"/>
+          </a:p>
+        </p:txBody>
+      </p:sp>
+      <p:sp>
+        <p:nvSpPr>
+          <p:cNvPr id="3" name="Content Placeholder 2"/>
+          <p:cNvSpPr>
+            <a:spLocks noGrp="1"/>
+          </p:cNvSpPr>
+          <p:nvPr>
+            <p:ph sz="quarter" idx="10"/>
+          </p:nvPr>
+        </p:nvSpPr>
+        <p:spPr/>
+        <p:txBody>
+          <a:bodyPr/>
+          <a:lstStyle/>
+          <a:p>
+            <a:r>
+              <a:rPr lang="en-US" smtClean="0"/>
+              <a:t>Key-Value pair </a:t>
+            </a:r>
+          </a:p>
+          <a:p>
+            <a:r>
+              <a:rPr lang="en-US" smtClean="0"/>
+              <a:t>Object properties su primer</a:t>
+            </a:r>
+          </a:p>
+          <a:p>
+            <a:r>
+              <a:rPr lang="en-US" smtClean="0"/>
+              <a:t>Sta mozemo da zapamtimo na klijentu?</a:t>
+            </a:r>
+            <a:endParaRPr lang="sr-Latn-RS"/>
+          </a:p>
+        </p:txBody>
+      </p:sp>
+    </p:spTree>
+    <p:extLst>
+      <p:ext uri="{BB962C8B-B14F-4D97-AF65-F5344CB8AC3E}">
+        <p14:creationId xmlns:p14="http://schemas.microsoft.com/office/powerpoint/2010/main" val="2649869483"/>
+      </p:ext>
+    </p:extLst>
+  </p:cSld>
+  <p:clrMapOvr>
+    <a:masterClrMapping/>
+  </p:clrMapOvr>
+</p:sld>
+</file>
+
+<file path=ppt/slides/slide8.xml><?xml version="1.0" encoding="utf-8"?>
+<p:sld xmlns:a="http://schemas.openxmlformats.org/drawingml/2006/main" xmlns:r="http://schemas.openxmlformats.org/officeDocument/2006/relationships" xmlns:p="http://schemas.openxmlformats.org/presentationml/2006/main">
+  <p:cSld>
+    <p:spTree>
+      <p:nvGrpSpPr>
+        <p:cNvPr id="1" name=""/>
+        <p:cNvGrpSpPr/>
+        <p:nvPr/>
+      </p:nvGrpSpPr>
+      <p:grpSpPr>
+        <a:xfrm>
+          <a:off x="0" y="0"/>
+          <a:ext cx="0" cy="0"/>
+          <a:chOff x="0" y="0"/>
+          <a:chExt cx="0" cy="0"/>
+        </a:xfrm>
+      </p:grpSpPr>
+      <p:sp>
+        <p:nvSpPr>
+          <p:cNvPr id="2" name="Title 1"/>
+          <p:cNvSpPr>
+            <a:spLocks noGrp="1"/>
+          </p:cNvSpPr>
+          <p:nvPr>
+            <p:ph type="title"/>
+          </p:nvPr>
+        </p:nvSpPr>
+        <p:spPr/>
+        <p:txBody>
+          <a:bodyPr/>
+          <a:lstStyle/>
+          <a:p>
+            <a:r>
+              <a:rPr lang="en-US" smtClean="0"/>
+              <a:t>Coding challenge 1</a:t>
+            </a:r>
+            <a:endParaRPr lang="sr-Latn-RS"/>
+          </a:p>
+        </p:txBody>
+      </p:sp>
+      <p:sp>
+        <p:nvSpPr>
+          <p:cNvPr id="3" name="Content Placeholder 2"/>
+          <p:cNvSpPr>
+            <a:spLocks noGrp="1"/>
+          </p:cNvSpPr>
+          <p:nvPr>
+            <p:ph sz="quarter" idx="10"/>
+          </p:nvPr>
+        </p:nvSpPr>
+        <p:spPr/>
+        <p:txBody>
+          <a:bodyPr/>
+          <a:lstStyle/>
+          <a:p>
+            <a:r>
+              <a:rPr lang="en-US" smtClean="0"/>
+              <a:t>Napisati JavaScript funkciju koja pamti nase ime i prezime u localStorage</a:t>
+            </a:r>
+          </a:p>
+          <a:p>
+            <a:r>
+              <a:rPr lang="en-US" smtClean="0"/>
+              <a:t>Nakon ponovnog ucitavanja browsera – proveriti sta pise u localStorage-u</a:t>
+            </a:r>
+            <a:endParaRPr lang="sr-Latn-RS"/>
+          </a:p>
+        </p:txBody>
+      </p:sp>
+    </p:spTree>
+    <p:extLst>
+      <p:ext uri="{BB962C8B-B14F-4D97-AF65-F5344CB8AC3E}">
+        <p14:creationId xmlns:p14="http://schemas.microsoft.com/office/powerpoint/2010/main" val="1876160357"/>
+      </p:ext>
+    </p:extLst>
+  </p:cSld>
+  <p:clrMapOvr>
+    <a:masterClrMapping/>
+  </p:clrMapOvr>
+</p:sld>
+</file>
+
+<file path=ppt/slides/slide9.xml><?xml version="1.0" encoding="utf-8"?>
+<p:sld xmlns:a="http://schemas.openxmlformats.org/drawingml/2006/main" xmlns:r="http://schemas.openxmlformats.org/officeDocument/2006/relationships" xmlns:p="http://schemas.openxmlformats.org/presentationml/2006/main">
+  <p:cSld>
+    <p:spTree>
+      <p:nvGrpSpPr>
+        <p:cNvPr id="1" name=""/>
+        <p:cNvGrpSpPr/>
+        <p:nvPr/>
+      </p:nvGrpSpPr>
+      <p:grpSpPr>
+        <a:xfrm>
+          <a:off x="0" y="0"/>
+          <a:ext cx="0" cy="0"/>
+          <a:chOff x="0" y="0"/>
+          <a:chExt cx="0" cy="0"/>
+        </a:xfrm>
+      </p:grpSpPr>
+      <p:sp>
+        <p:nvSpPr>
+          <p:cNvPr id="2" name="Title 1"/>
+          <p:cNvSpPr>
+            <a:spLocks noGrp="1"/>
+          </p:cNvSpPr>
+          <p:nvPr>
+            <p:ph type="title"/>
+          </p:nvPr>
+        </p:nvSpPr>
+        <p:spPr/>
+        <p:txBody>
+          <a:bodyPr/>
+          <a:lstStyle/>
+          <a:p>
+            <a:endParaRPr lang="sr-Latn-RS"/>
+          </a:p>
+        </p:txBody>
+      </p:sp>
+      <p:sp>
+        <p:nvSpPr>
+          <p:cNvPr id="3" name="Content Placeholder 2"/>
+          <p:cNvSpPr>
+            <a:spLocks noGrp="1"/>
+          </p:cNvSpPr>
+          <p:nvPr>
+            <p:ph sz="quarter" idx="10"/>
+          </p:nvPr>
+        </p:nvSpPr>
+        <p:spPr/>
+        <p:txBody>
+          <a:bodyPr/>
+          <a:lstStyle/>
+          <a:p>
+            <a:endParaRPr lang="sr-Latn-RS"/>
+          </a:p>
+        </p:txBody>
+      </p:sp>
+    </p:spTree>
+    <p:extLst>
+      <p:ext uri="{BB962C8B-B14F-4D97-AF65-F5344CB8AC3E}">
+        <p14:creationId xmlns:p14="http://schemas.microsoft.com/office/powerpoint/2010/main" val="815205707"/>
+      </p:ext>
+    </p:extLst>
+  </p:cSld>
+  <p:clrMapOvr>
+    <a:masterClrMapping/>
+  </p:clrMapOvr>
 </p:sld>
 </file>
 
